--- a/Древние славяне это сделали.pptx
+++ b/Древние славяне это сделали.pptx
@@ -13,7 +13,8 @@
     <p:sldId id="261" r:id="rId7"/>
     <p:sldId id="262" r:id="rId8"/>
     <p:sldId id="263" r:id="rId9"/>
-    <p:sldId id="264" r:id="rId10"/>
+    <p:sldId id="265" r:id="rId10"/>
+    <p:sldId id="264" r:id="rId11"/>
   </p:sldIdLst>
   <p:sldSz cx="12192000" cy="6858000"/>
   <p:notesSz cx="6858000" cy="9144000"/>
@@ -112,6 +113,11 @@
       </a:defRPr>
     </a:lvl9pPr>
   </p:defaultTextStyle>
+  <p:extLst>
+    <p:ext uri="{EFAFB233-063F-42B5-8137-9DF3F51BA10A}">
+      <p15:sldGuideLst xmlns:p15="http://schemas.microsoft.com/office/powerpoint/2012/main"/>
+    </p:ext>
+  </p:extLst>
 </p:presentation>
 </file>
 
@@ -3511,6 +3517,96 @@
 </p:sld>
 </file>
 
+<file path=ppt/slides/slide10.xml><?xml version="1.0" encoding="utf-8"?>
+<p:sld xmlns:a="http://schemas.openxmlformats.org/drawingml/2006/main" xmlns:r="http://schemas.openxmlformats.org/officeDocument/2006/relationships" xmlns:p="http://schemas.openxmlformats.org/presentationml/2006/main">
+  <p:cSld>
+    <p:bg>
+      <p:bgPr>
+        <a:blipFill dpi="0" rotWithShape="1">
+          <a:blip r:embed="rId2">
+            <a:lum/>
+          </a:blip>
+          <a:srcRect/>
+          <a:stretch>
+            <a:fillRect/>
+          </a:stretch>
+        </a:blipFill>
+        <a:effectLst/>
+      </p:bgPr>
+    </p:bg>
+    <p:spTree>
+      <p:nvGrpSpPr>
+        <p:cNvPr id="1" name=""/>
+        <p:cNvGrpSpPr/>
+        <p:nvPr/>
+      </p:nvGrpSpPr>
+      <p:grpSpPr>
+        <a:xfrm>
+          <a:off x="0" y="0"/>
+          <a:ext cx="0" cy="0"/>
+          <a:chOff x="0" y="0"/>
+          <a:chExt cx="0" cy="0"/>
+        </a:xfrm>
+      </p:grpSpPr>
+      <p:sp>
+        <p:nvSpPr>
+          <p:cNvPr id="2" name="Заголовок 1">
+            <a:extLst>
+              <a:ext uri="{FF2B5EF4-FFF2-40B4-BE49-F238E27FC236}">
+                <a16:creationId xmlns:a16="http://schemas.microsoft.com/office/drawing/2014/main" id="{4A574936-A356-7503-94E7-9AF406ACB547}"/>
+              </a:ext>
+            </a:extLst>
+          </p:cNvPr>
+          <p:cNvSpPr>
+            <a:spLocks noGrp="1"/>
+          </p:cNvSpPr>
+          <p:nvPr>
+            <p:ph type="title"/>
+          </p:nvPr>
+        </p:nvSpPr>
+        <p:spPr>
+          <a:xfrm>
+            <a:off x="838200" y="365125"/>
+            <a:ext cx="10515600" cy="6025515"/>
+          </a:xfrm>
+        </p:spPr>
+        <p:txBody>
+          <a:bodyPr/>
+          <a:lstStyle/>
+          <a:p>
+            <a:pPr algn="ctr"/>
+            <a:r>
+              <a:rPr lang="ru-RU" dirty="0">
+                <a:solidFill>
+                  <a:srgbClr val="FFFF00"/>
+                </a:solidFill>
+                <a:effectLst>
+                  <a:outerShdw blurRad="38100" dist="38100" dir="2700000" algn="tl">
+                    <a:srgbClr val="000000">
+                      <a:alpha val="43137"/>
+                    </a:srgbClr>
+                  </a:outerShdw>
+                </a:effectLst>
+                <a:latin typeface="Haettenschweiler" panose="020B0706040902060204" pitchFamily="34" charset="0"/>
+              </a:rPr>
+              <a:t>Спасибо за понимание</a:t>
+            </a:r>
+          </a:p>
+        </p:txBody>
+      </p:sp>
+    </p:spTree>
+    <p:extLst>
+      <p:ext uri="{BB962C8B-B14F-4D97-AF65-F5344CB8AC3E}">
+        <p14:creationId xmlns:p14="http://schemas.microsoft.com/office/powerpoint/2010/main" val="3349431357"/>
+      </p:ext>
+    </p:extLst>
+  </p:cSld>
+  <p:clrMapOvr>
+    <a:masterClrMapping/>
+  </p:clrMapOvr>
+</p:sld>
+</file>
+
 <file path=ppt/slides/slide2.xml><?xml version="1.0" encoding="utf-8"?>
 <p:sld xmlns:a="http://schemas.openxmlformats.org/drawingml/2006/main" xmlns:r="http://schemas.openxmlformats.org/officeDocument/2006/relationships" xmlns:p="http://schemas.openxmlformats.org/presentationml/2006/main">
   <p:cSld>
@@ -4877,11 +4973,8 @@
   <p:cSld>
     <p:bg>
       <p:bgPr>
-        <a:blipFill dpi="0" rotWithShape="1">
-          <a:blip r:embed="rId2">
-            <a:lum/>
-          </a:blip>
-          <a:srcRect/>
+        <a:blipFill>
+          <a:blip r:embed="rId2"/>
           <a:stretch>
             <a:fillRect/>
           </a:stretch>
@@ -4903,56 +4996,10 @@
           <a:chExt cx="0" cy="0"/>
         </a:xfrm>
       </p:grpSpPr>
-      <p:sp>
-        <p:nvSpPr>
-          <p:cNvPr id="2" name="Заголовок 1">
-            <a:extLst>
-              <a:ext uri="{FF2B5EF4-FFF2-40B4-BE49-F238E27FC236}">
-                <a16:creationId xmlns:a16="http://schemas.microsoft.com/office/drawing/2014/main" id="{4A574936-A356-7503-94E7-9AF406ACB547}"/>
-              </a:ext>
-            </a:extLst>
-          </p:cNvPr>
-          <p:cNvSpPr>
-            <a:spLocks noGrp="1"/>
-          </p:cNvSpPr>
-          <p:nvPr>
-            <p:ph type="title"/>
-          </p:nvPr>
-        </p:nvSpPr>
-        <p:spPr>
-          <a:xfrm>
-            <a:off x="838200" y="365125"/>
-            <a:ext cx="10515600" cy="6025515"/>
-          </a:xfrm>
-        </p:spPr>
-        <p:txBody>
-          <a:bodyPr/>
-          <a:lstStyle/>
-          <a:p>
-            <a:pPr algn="ctr"/>
-            <a:r>
-              <a:rPr lang="ru-RU" dirty="0">
-                <a:solidFill>
-                  <a:srgbClr val="FFFF00"/>
-                </a:solidFill>
-                <a:effectLst>
-                  <a:outerShdw blurRad="38100" dist="38100" dir="2700000" algn="tl">
-                    <a:srgbClr val="000000">
-                      <a:alpha val="43137"/>
-                    </a:srgbClr>
-                  </a:outerShdw>
-                </a:effectLst>
-                <a:latin typeface="Haettenschweiler" panose="020B0706040902060204" pitchFamily="34" charset="0"/>
-              </a:rPr>
-              <a:t>Спасибо за понимание</a:t>
-            </a:r>
-          </a:p>
-        </p:txBody>
-      </p:sp>
     </p:spTree>
     <p:extLst>
       <p:ext uri="{BB962C8B-B14F-4D97-AF65-F5344CB8AC3E}">
-        <p14:creationId xmlns:p14="http://schemas.microsoft.com/office/powerpoint/2010/main" val="3349431357"/>
+        <p14:creationId xmlns:p14="http://schemas.microsoft.com/office/powerpoint/2010/main" val="1964116501"/>
       </p:ext>
     </p:extLst>
   </p:cSld>
